--- a/writing/figures_widescreen.pptx
+++ b/writing/figures_widescreen.pptx
@@ -8,8 +8,8 @@
     <p:notesMasterId r:id="rId4"/>
   </p:notesMasterIdLst>
   <p:sldIdLst>
-    <p:sldId id="256" r:id="rId2"/>
-    <p:sldId id="257" r:id="rId3"/>
+    <p:sldId id="257" r:id="rId2"/>
+    <p:sldId id="260" r:id="rId3"/>
   </p:sldIdLst>
   <p:sldSz cx="27432000" cy="14630400"/>
   <p:notesSz cx="6858000" cy="9144000"/>
@@ -193,7 +193,7 @@
           <a:p>
             <a:fld id="{AEA2CF16-B50E-7E42-8F09-05421D88FF1A}" type="datetimeFigureOut">
               <a:rPr lang="en-US" smtClean="0"/>
-              <a:t>1/17/17</a:t>
+              <a:t>7/2/18</a:t>
             </a:fld>
             <a:endParaRPr lang="en-US"/>
           </a:p>
@@ -526,6 +526,90 @@
           <a:p>
             <a:fld id="{CE6546D4-01BF-4A4B-9EDB-95778D14E297}" type="slidenum">
               <a:rPr lang="en-US" smtClean="0"/>
+              <a:t>1</a:t>
+            </a:fld>
+            <a:endParaRPr lang="en-US"/>
+          </a:p>
+        </p:txBody>
+      </p:sp>
+    </p:spTree>
+    <p:extLst>
+      <p:ext uri="{BB962C8B-B14F-4D97-AF65-F5344CB8AC3E}">
+        <p14:creationId xmlns:p14="http://schemas.microsoft.com/office/powerpoint/2010/main" val="2686828440"/>
+      </p:ext>
+    </p:extLst>
+  </p:cSld>
+  <p:clrMapOvr>
+    <a:masterClrMapping/>
+  </p:clrMapOvr>
+</p:notes>
+</file>
+
+<file path=ppt/notesSlides/notesSlide2.xml><?xml version="1.0" encoding="utf-8"?>
+<p:notes xmlns:a="http://schemas.openxmlformats.org/drawingml/2006/main" xmlns:r="http://schemas.openxmlformats.org/officeDocument/2006/relationships" xmlns:p="http://schemas.openxmlformats.org/presentationml/2006/main">
+  <p:cSld>
+    <p:spTree>
+      <p:nvGrpSpPr>
+        <p:cNvPr id="1" name=""/>
+        <p:cNvGrpSpPr/>
+        <p:nvPr/>
+      </p:nvGrpSpPr>
+      <p:grpSpPr>
+        <a:xfrm>
+          <a:off x="0" y="0"/>
+          <a:ext cx="0" cy="0"/>
+          <a:chOff x="0" y="0"/>
+          <a:chExt cx="0" cy="0"/>
+        </a:xfrm>
+      </p:grpSpPr>
+      <p:sp>
+        <p:nvSpPr>
+          <p:cNvPr id="2" name="Slide Image Placeholder 1"/>
+          <p:cNvSpPr>
+            <a:spLocks noGrp="1" noRot="1" noChangeAspect="1"/>
+          </p:cNvSpPr>
+          <p:nvPr>
+            <p:ph type="sldImg"/>
+          </p:nvPr>
+        </p:nvSpPr>
+        <p:spPr/>
+      </p:sp>
+      <p:sp>
+        <p:nvSpPr>
+          <p:cNvPr id="3" name="Notes Placeholder 2"/>
+          <p:cNvSpPr>
+            <a:spLocks noGrp="1"/>
+          </p:cNvSpPr>
+          <p:nvPr>
+            <p:ph type="body" idx="1"/>
+          </p:nvPr>
+        </p:nvSpPr>
+        <p:spPr/>
+        <p:txBody>
+          <a:bodyPr/>
+          <a:lstStyle/>
+          <a:p>
+            <a:endParaRPr lang="en-US" dirty="0"/>
+          </a:p>
+        </p:txBody>
+      </p:sp>
+      <p:sp>
+        <p:nvSpPr>
+          <p:cNvPr id="4" name="Slide Number Placeholder 3"/>
+          <p:cNvSpPr>
+            <a:spLocks noGrp="1"/>
+          </p:cNvSpPr>
+          <p:nvPr>
+            <p:ph type="sldNum" sz="quarter" idx="10"/>
+          </p:nvPr>
+        </p:nvSpPr>
+        <p:spPr/>
+        <p:txBody>
+          <a:bodyPr/>
+          <a:lstStyle/>
+          <a:p>
+            <a:fld id="{CE6546D4-01BF-4A4B-9EDB-95778D14E297}" type="slidenum">
+              <a:rPr lang="en-US" smtClean="0"/>
               <a:t>2</a:t>
             </a:fld>
             <a:endParaRPr lang="en-US"/>
@@ -726,7 +810,7 @@
           <a:p>
             <a:fld id="{6D28332C-907A-3643-A0E2-47D2C3CF4329}" type="datetimeFigureOut">
               <a:rPr lang="en-US" smtClean="0"/>
-              <a:t>1/17/17</a:t>
+              <a:t>7/2/18</a:t>
             </a:fld>
             <a:endParaRPr lang="en-US"/>
           </a:p>
@@ -896,7 +980,7 @@
           <a:p>
             <a:fld id="{6D28332C-907A-3643-A0E2-47D2C3CF4329}" type="datetimeFigureOut">
               <a:rPr lang="en-US" smtClean="0"/>
-              <a:t>1/17/17</a:t>
+              <a:t>7/2/18</a:t>
             </a:fld>
             <a:endParaRPr lang="en-US"/>
           </a:p>
@@ -1076,7 +1160,7 @@
           <a:p>
             <a:fld id="{6D28332C-907A-3643-A0E2-47D2C3CF4329}" type="datetimeFigureOut">
               <a:rPr lang="en-US" smtClean="0"/>
-              <a:t>1/17/17</a:t>
+              <a:t>7/2/18</a:t>
             </a:fld>
             <a:endParaRPr lang="en-US"/>
           </a:p>
@@ -1246,7 +1330,7 @@
           <a:p>
             <a:fld id="{6D28332C-907A-3643-A0E2-47D2C3CF4329}" type="datetimeFigureOut">
               <a:rPr lang="en-US" smtClean="0"/>
-              <a:t>1/17/17</a:t>
+              <a:t>7/2/18</a:t>
             </a:fld>
             <a:endParaRPr lang="en-US"/>
           </a:p>
@@ -1492,7 +1576,7 @@
           <a:p>
             <a:fld id="{6D28332C-907A-3643-A0E2-47D2C3CF4329}" type="datetimeFigureOut">
               <a:rPr lang="en-US" smtClean="0"/>
-              <a:t>1/17/17</a:t>
+              <a:t>7/2/18</a:t>
             </a:fld>
             <a:endParaRPr lang="en-US"/>
           </a:p>
@@ -1780,7 +1864,7 @@
           <a:p>
             <a:fld id="{6D28332C-907A-3643-A0E2-47D2C3CF4329}" type="datetimeFigureOut">
               <a:rPr lang="en-US" smtClean="0"/>
-              <a:t>1/17/17</a:t>
+              <a:t>7/2/18</a:t>
             </a:fld>
             <a:endParaRPr lang="en-US"/>
           </a:p>
@@ -2207,7 +2291,7 @@
           <a:p>
             <a:fld id="{6D28332C-907A-3643-A0E2-47D2C3CF4329}" type="datetimeFigureOut">
               <a:rPr lang="en-US" smtClean="0"/>
-              <a:t>1/17/17</a:t>
+              <a:t>7/2/18</a:t>
             </a:fld>
             <a:endParaRPr lang="en-US"/>
           </a:p>
@@ -2325,7 +2409,7 @@
           <a:p>
             <a:fld id="{6D28332C-907A-3643-A0E2-47D2C3CF4329}" type="datetimeFigureOut">
               <a:rPr lang="en-US" smtClean="0"/>
-              <a:t>1/17/17</a:t>
+              <a:t>7/2/18</a:t>
             </a:fld>
             <a:endParaRPr lang="en-US"/>
           </a:p>
@@ -2420,7 +2504,7 @@
           <a:p>
             <a:fld id="{6D28332C-907A-3643-A0E2-47D2C3CF4329}" type="datetimeFigureOut">
               <a:rPr lang="en-US" smtClean="0"/>
-              <a:t>1/17/17</a:t>
+              <a:t>7/2/18</a:t>
             </a:fld>
             <a:endParaRPr lang="en-US"/>
           </a:p>
@@ -2697,7 +2781,7 @@
           <a:p>
             <a:fld id="{6D28332C-907A-3643-A0E2-47D2C3CF4329}" type="datetimeFigureOut">
               <a:rPr lang="en-US" smtClean="0"/>
-              <a:t>1/17/17</a:t>
+              <a:t>7/2/18</a:t>
             </a:fld>
             <a:endParaRPr lang="en-US"/>
           </a:p>
@@ -2950,7 +3034,7 @@
           <a:p>
             <a:fld id="{6D28332C-907A-3643-A0E2-47D2C3CF4329}" type="datetimeFigureOut">
               <a:rPr lang="en-US" smtClean="0"/>
-              <a:t>1/17/17</a:t>
+              <a:t>7/2/18</a:t>
             </a:fld>
             <a:endParaRPr lang="en-US"/>
           </a:p>
@@ -3163,7 +3247,7 @@
           <a:p>
             <a:fld id="{6D28332C-907A-3643-A0E2-47D2C3CF4329}" type="datetimeFigureOut">
               <a:rPr lang="en-US" smtClean="0"/>
-              <a:t>1/17/17</a:t>
+              <a:t>7/2/18</a:t>
             </a:fld>
             <a:endParaRPr lang="en-US"/>
           </a:p>
@@ -3522,204 +3606,6 @@
 </file>
 
 <file path=ppt/slides/slide1.xml><?xml version="1.0" encoding="utf-8"?>
-<p:sld xmlns:a="http://schemas.openxmlformats.org/drawingml/2006/main" xmlns:r="http://schemas.openxmlformats.org/officeDocument/2006/relationships" xmlns:p="http://schemas.openxmlformats.org/presentationml/2006/main">
-  <p:cSld>
-    <p:spTree>
-      <p:nvGrpSpPr>
-        <p:cNvPr id="1" name=""/>
-        <p:cNvGrpSpPr/>
-        <p:nvPr/>
-      </p:nvGrpSpPr>
-      <p:grpSpPr>
-        <a:xfrm>
-          <a:off x="0" y="0"/>
-          <a:ext cx="0" cy="0"/>
-          <a:chOff x="0" y="0"/>
-          <a:chExt cx="0" cy="0"/>
-        </a:xfrm>
-      </p:grpSpPr>
-      <p:grpSp>
-        <p:nvGrpSpPr>
-          <p:cNvPr id="35" name="Group 34"/>
-          <p:cNvGrpSpPr/>
-          <p:nvPr/>
-        </p:nvGrpSpPr>
-        <p:grpSpPr>
-          <a:xfrm>
-            <a:off x="3495015" y="3012464"/>
-            <a:ext cx="20636284" cy="9401969"/>
-            <a:chOff x="3495015" y="3012464"/>
-            <a:chExt cx="20636284" cy="9401969"/>
-          </a:xfrm>
-        </p:grpSpPr>
-        <p:pic>
-          <p:nvPicPr>
-            <p:cNvPr id="34" name="Picture 33" descr="both_2N6Q_5KMZ_mean_mae_fig.pdf"/>
-            <p:cNvPicPr>
-              <a:picLocks noChangeAspect="1"/>
-            </p:cNvPicPr>
-            <p:nvPr/>
-          </p:nvPicPr>
-          <p:blipFill rotWithShape="1">
-            <a:blip r:embed="rId2">
-              <a:extLst>
-                <a:ext uri="{28A0092B-C50C-407E-A947-70E740481C1C}">
-                  <a14:useLocalDpi xmlns:a14="http://schemas.microsoft.com/office/drawing/2010/main" val="0"/>
-                </a:ext>
-              </a:extLst>
-            </a:blip>
-            <a:srcRect r="47004"/>
-            <a:stretch/>
-          </p:blipFill>
-          <p:spPr>
-            <a:xfrm>
-              <a:off x="15163289" y="6902633"/>
-              <a:ext cx="4980587" cy="5511800"/>
-            </a:xfrm>
-            <a:prstGeom prst="rect">
-              <a:avLst/>
-            </a:prstGeom>
-          </p:spPr>
-        </p:pic>
-        <p:pic>
-          <p:nvPicPr>
-            <p:cNvPr id="33" name="Picture 32" descr="both_2KFC_2L1V_mean_mae_fig.pdf"/>
-            <p:cNvPicPr>
-              <a:picLocks noChangeAspect="1"/>
-            </p:cNvPicPr>
-            <p:nvPr/>
-          </p:nvPicPr>
-          <p:blipFill>
-            <a:blip r:embed="rId3">
-              <a:extLst>
-                <a:ext uri="{28A0092B-C50C-407E-A947-70E740481C1C}">
-                  <a14:useLocalDpi xmlns:a14="http://schemas.microsoft.com/office/drawing/2010/main" val="0"/>
-                </a:ext>
-              </a:extLst>
-            </a:blip>
-            <a:stretch>
-              <a:fillRect/>
-            </a:stretch>
-          </p:blipFill>
-          <p:spPr>
-            <a:xfrm>
-              <a:off x="6299646" y="6902633"/>
-              <a:ext cx="9398000" cy="5511800"/>
-            </a:xfrm>
-            <a:prstGeom prst="rect">
-              <a:avLst/>
-            </a:prstGeom>
-          </p:spPr>
-        </p:pic>
-        <p:pic>
-          <p:nvPicPr>
-            <p:cNvPr id="32" name="Picture 31" descr="both_2H2X_2M21_mean_mae_fig.pdf"/>
-            <p:cNvPicPr>
-              <a:picLocks noChangeAspect="1"/>
-            </p:cNvPicPr>
-            <p:nvPr/>
-          </p:nvPicPr>
-          <p:blipFill rotWithShape="1">
-            <a:blip r:embed="rId4">
-              <a:extLst>
-                <a:ext uri="{28A0092B-C50C-407E-A947-70E740481C1C}">
-                  <a14:useLocalDpi xmlns:a14="http://schemas.microsoft.com/office/drawing/2010/main" val="0"/>
-                </a:ext>
-              </a:extLst>
-            </a:blip>
-            <a:srcRect t="14451" r="19332"/>
-            <a:stretch/>
-          </p:blipFill>
-          <p:spPr>
-            <a:xfrm>
-              <a:off x="16550152" y="3012466"/>
-              <a:ext cx="7581147" cy="4715301"/>
-            </a:xfrm>
-            <a:prstGeom prst="rect">
-              <a:avLst/>
-            </a:prstGeom>
-          </p:spPr>
-        </p:pic>
-        <p:pic>
-          <p:nvPicPr>
-            <p:cNvPr id="31" name="Picture 30" descr="both_2FRL_2M22_mean_mae_fig.pdf"/>
-            <p:cNvPicPr>
-              <a:picLocks noChangeAspect="1"/>
-            </p:cNvPicPr>
-            <p:nvPr/>
-          </p:nvPicPr>
-          <p:blipFill rotWithShape="1">
-            <a:blip r:embed="rId5">
-              <a:extLst>
-                <a:ext uri="{28A0092B-C50C-407E-A947-70E740481C1C}">
-                  <a14:useLocalDpi xmlns:a14="http://schemas.microsoft.com/office/drawing/2010/main" val="0"/>
-                </a:ext>
-              </a:extLst>
-            </a:blip>
-            <a:srcRect t="14418"/>
-            <a:stretch/>
-          </p:blipFill>
-          <p:spPr>
-            <a:xfrm>
-              <a:off x="7713336" y="3012465"/>
-              <a:ext cx="9398000" cy="4717119"/>
-            </a:xfrm>
-            <a:prstGeom prst="rect">
-              <a:avLst/>
-            </a:prstGeom>
-          </p:spPr>
-        </p:pic>
-        <p:pic>
-          <p:nvPicPr>
-            <p:cNvPr id="25" name="Picture 24" descr="both_1R2P_2LPS_mean_mae_fig.pdf"/>
-            <p:cNvPicPr>
-              <a:picLocks noChangeAspect="1"/>
-            </p:cNvPicPr>
-            <p:nvPr/>
-          </p:nvPicPr>
-          <p:blipFill rotWithShape="1">
-            <a:blip r:embed="rId6">
-              <a:extLst>
-                <a:ext uri="{28A0092B-C50C-407E-A947-70E740481C1C}">
-                  <a14:useLocalDpi xmlns:a14="http://schemas.microsoft.com/office/drawing/2010/main" val="0"/>
-                </a:ext>
-              </a:extLst>
-            </a:blip>
-            <a:srcRect t="15516" r="54743"/>
-            <a:stretch/>
-          </p:blipFill>
-          <p:spPr>
-            <a:xfrm>
-              <a:off x="3495015" y="3012464"/>
-              <a:ext cx="4253253" cy="4656565"/>
-            </a:xfrm>
-            <a:prstGeom prst="rect">
-              <a:avLst/>
-            </a:prstGeom>
-          </p:spPr>
-        </p:pic>
-      </p:grpSp>
-    </p:spTree>
-    <p:extLst>
-      <p:ext uri="{BB962C8B-B14F-4D97-AF65-F5344CB8AC3E}">
-        <p14:creationId xmlns:p14="http://schemas.microsoft.com/office/powerpoint/2010/main" val="1625840968"/>
-      </p:ext>
-    </p:extLst>
-  </p:cSld>
-  <p:clrMapOvr>
-    <a:masterClrMapping/>
-  </p:clrMapOvr>
-  <p:timing>
-    <p:tnLst>
-      <p:par>
-        <p:cTn xmlns:p14="http://schemas.microsoft.com/office/powerpoint/2010/main" id="1" dur="indefinite" restart="never" nodeType="tmRoot"/>
-      </p:par>
-    </p:tnLst>
-  </p:timing>
-</p:sld>
-</file>
-
-<file path=ppt/slides/slide2.xml><?xml version="1.0" encoding="utf-8"?>
 <p:sld xmlns:a="http://schemas.openxmlformats.org/drawingml/2006/main" xmlns:r="http://schemas.openxmlformats.org/officeDocument/2006/relationships" xmlns:p="http://schemas.openxmlformats.org/presentationml/2006/main">
   <p:cSld>
     <p:spTree>
@@ -4982,6 +4868,1271 @@
 </p:sld>
 </file>
 
+<file path=ppt/slides/slide2.xml><?xml version="1.0" encoding="utf-8"?>
+<p:sld xmlns:a="http://schemas.openxmlformats.org/drawingml/2006/main" xmlns:r="http://schemas.openxmlformats.org/officeDocument/2006/relationships" xmlns:p="http://schemas.openxmlformats.org/presentationml/2006/main">
+  <p:cSld>
+    <p:spTree>
+      <p:nvGrpSpPr>
+        <p:cNvPr id="1" name=""/>
+        <p:cNvGrpSpPr/>
+        <p:nvPr/>
+      </p:nvGrpSpPr>
+      <p:grpSpPr>
+        <a:xfrm>
+          <a:off x="0" y="0"/>
+          <a:ext cx="0" cy="0"/>
+          <a:chOff x="0" y="0"/>
+          <a:chExt cx="0" cy="0"/>
+        </a:xfrm>
+      </p:grpSpPr>
+      <p:grpSp>
+        <p:nvGrpSpPr>
+          <p:cNvPr id="7" name="Group 6"/>
+          <p:cNvGrpSpPr/>
+          <p:nvPr/>
+        </p:nvGrpSpPr>
+        <p:grpSpPr>
+          <a:xfrm>
+            <a:off x="827055" y="495252"/>
+            <a:ext cx="19469799" cy="10380963"/>
+            <a:chOff x="827055" y="495252"/>
+            <a:chExt cx="19469799" cy="10380963"/>
+          </a:xfrm>
+        </p:grpSpPr>
+        <p:pic>
+          <p:nvPicPr>
+            <p:cNvPr id="5" name="Picture 4" descr="both_2KFC_2L1V_larmord_mae_fig.pdf"/>
+            <p:cNvPicPr>
+              <a:picLocks noChangeAspect="1"/>
+            </p:cNvPicPr>
+            <p:nvPr/>
+          </p:nvPicPr>
+          <p:blipFill>
+            <a:blip r:embed="rId3">
+              <a:extLst>
+                <a:ext uri="{28A0092B-C50C-407E-A947-70E740481C1C}">
+                  <a14:useLocalDpi xmlns:a14="http://schemas.microsoft.com/office/drawing/2010/main" val="0"/>
+                </a:ext>
+              </a:extLst>
+            </a:blip>
+            <a:stretch>
+              <a:fillRect/>
+            </a:stretch>
+          </p:blipFill>
+          <p:spPr>
+            <a:xfrm>
+              <a:off x="10888628" y="5333057"/>
+              <a:ext cx="9398000" cy="5511800"/>
+            </a:xfrm>
+            <a:prstGeom prst="rect">
+              <a:avLst/>
+            </a:prstGeom>
+          </p:spPr>
+        </p:pic>
+        <p:pic>
+          <p:nvPicPr>
+            <p:cNvPr id="4" name="Picture 3" descr="both_2FRL_2M22_larmord_mae_fig.pdf"/>
+            <p:cNvPicPr>
+              <a:picLocks noChangeAspect="1"/>
+            </p:cNvPicPr>
+            <p:nvPr/>
+          </p:nvPicPr>
+          <p:blipFill>
+            <a:blip r:embed="rId4">
+              <a:extLst>
+                <a:ext uri="{28A0092B-C50C-407E-A947-70E740481C1C}">
+                  <a14:useLocalDpi xmlns:a14="http://schemas.microsoft.com/office/drawing/2010/main" val="0"/>
+                </a:ext>
+              </a:extLst>
+            </a:blip>
+            <a:stretch>
+              <a:fillRect/>
+            </a:stretch>
+          </p:blipFill>
+          <p:spPr>
+            <a:xfrm>
+              <a:off x="1311772" y="5288902"/>
+              <a:ext cx="9398000" cy="5511800"/>
+            </a:xfrm>
+            <a:prstGeom prst="rect">
+              <a:avLst/>
+            </a:prstGeom>
+          </p:spPr>
+        </p:pic>
+        <p:pic>
+          <p:nvPicPr>
+            <p:cNvPr id="43" name="Picture 42" descr="both_2H2X_2M21_larmord_mae_fig.pdf"/>
+            <p:cNvPicPr>
+              <a:picLocks noChangeAspect="1"/>
+            </p:cNvPicPr>
+            <p:nvPr/>
+          </p:nvPicPr>
+          <p:blipFill>
+            <a:blip r:embed="rId5">
+              <a:extLst>
+                <a:ext uri="{28A0092B-C50C-407E-A947-70E740481C1C}">
+                  <a14:useLocalDpi xmlns:a14="http://schemas.microsoft.com/office/drawing/2010/main" val="0"/>
+                </a:ext>
+              </a:extLst>
+            </a:blip>
+            <a:stretch>
+              <a:fillRect/>
+            </a:stretch>
+          </p:blipFill>
+          <p:spPr>
+            <a:xfrm>
+              <a:off x="10898854" y="495252"/>
+              <a:ext cx="9398000" cy="5511800"/>
+            </a:xfrm>
+            <a:prstGeom prst="rect">
+              <a:avLst/>
+            </a:prstGeom>
+          </p:spPr>
+        </p:pic>
+        <p:pic>
+          <p:nvPicPr>
+            <p:cNvPr id="41" name="Picture 40" descr="both_2N6Q_5KMZ_larmord_mae_fig.pdf"/>
+            <p:cNvPicPr>
+              <a:picLocks noChangeAspect="1"/>
+            </p:cNvPicPr>
+            <p:nvPr/>
+          </p:nvPicPr>
+          <p:blipFill>
+            <a:blip r:embed="rId6">
+              <a:extLst>
+                <a:ext uri="{28A0092B-C50C-407E-A947-70E740481C1C}">
+                  <a14:useLocalDpi xmlns:a14="http://schemas.microsoft.com/office/drawing/2010/main" val="0"/>
+                </a:ext>
+              </a:extLst>
+            </a:blip>
+            <a:stretch>
+              <a:fillRect/>
+            </a:stretch>
+          </p:blipFill>
+          <p:spPr>
+            <a:xfrm>
+              <a:off x="5733053" y="497850"/>
+              <a:ext cx="9398000" cy="5511800"/>
+            </a:xfrm>
+            <a:prstGeom prst="rect">
+              <a:avLst/>
+            </a:prstGeom>
+          </p:spPr>
+        </p:pic>
+        <p:pic>
+          <p:nvPicPr>
+            <p:cNvPr id="39" name="Picture 38" descr="both_1R2P_2LPS_larmord_mae_fig.pdf"/>
+            <p:cNvPicPr>
+              <a:picLocks noChangeAspect="1"/>
+            </p:cNvPicPr>
+            <p:nvPr/>
+          </p:nvPicPr>
+          <p:blipFill>
+            <a:blip r:embed="rId7">
+              <a:extLst>
+                <a:ext uri="{28A0092B-C50C-407E-A947-70E740481C1C}">
+                  <a14:useLocalDpi xmlns:a14="http://schemas.microsoft.com/office/drawing/2010/main" val="0"/>
+                </a:ext>
+              </a:extLst>
+            </a:blip>
+            <a:stretch>
+              <a:fillRect/>
+            </a:stretch>
+          </p:blipFill>
+          <p:spPr>
+            <a:xfrm>
+              <a:off x="1307842" y="497341"/>
+              <a:ext cx="9398000" cy="5511800"/>
+            </a:xfrm>
+            <a:prstGeom prst="rect">
+              <a:avLst/>
+            </a:prstGeom>
+          </p:spPr>
+        </p:pic>
+        <p:grpSp>
+          <p:nvGrpSpPr>
+            <p:cNvPr id="21" name="Group 20"/>
+            <p:cNvGrpSpPr/>
+            <p:nvPr/>
+          </p:nvGrpSpPr>
+          <p:grpSpPr>
+            <a:xfrm>
+              <a:off x="827055" y="1125423"/>
+              <a:ext cx="17747766" cy="9750792"/>
+              <a:chOff x="3842923" y="3116190"/>
+              <a:chExt cx="17747766" cy="9750792"/>
+            </a:xfrm>
+          </p:grpSpPr>
+          <p:grpSp>
+            <p:nvGrpSpPr>
+              <p:cNvPr id="20" name="Group 19"/>
+              <p:cNvGrpSpPr/>
+              <p:nvPr/>
+            </p:nvGrpSpPr>
+            <p:grpSpPr>
+              <a:xfrm>
+                <a:off x="3842923" y="3116190"/>
+                <a:ext cx="17747766" cy="9750792"/>
+                <a:chOff x="3842923" y="3116190"/>
+                <a:chExt cx="17747766" cy="9750792"/>
+              </a:xfrm>
+            </p:grpSpPr>
+            <p:grpSp>
+              <p:nvGrpSpPr>
+                <p:cNvPr id="11" name="Group 10"/>
+                <p:cNvGrpSpPr/>
+                <p:nvPr/>
+              </p:nvGrpSpPr>
+              <p:grpSpPr>
+                <a:xfrm>
+                  <a:off x="3842923" y="3116190"/>
+                  <a:ext cx="17747766" cy="6236657"/>
+                  <a:chOff x="3842923" y="3079904"/>
+                  <a:chExt cx="17747766" cy="6236657"/>
+                </a:xfrm>
+              </p:grpSpPr>
+              <p:sp>
+                <p:nvSpPr>
+                  <p:cNvPr id="64" name="TextBox 63"/>
+                  <p:cNvSpPr txBox="1"/>
+                  <p:nvPr/>
+                </p:nvSpPr>
+                <p:spPr>
+                  <a:xfrm>
+                    <a:off x="7248116" y="4806705"/>
+                    <a:ext cx="1197458" cy="553998"/>
+                  </a:xfrm>
+                  <a:prstGeom prst="rect">
+                    <a:avLst/>
+                  </a:prstGeom>
+                  <a:solidFill>
+                    <a:schemeClr val="bg1"/>
+                  </a:solidFill>
+                </p:spPr>
+                <p:txBody>
+                  <a:bodyPr wrap="square" rtlCol="0">
+                    <a:spAutoFit/>
+                  </a:bodyPr>
+                  <a:lstStyle/>
+                  <a:p>
+                    <a:r>
+                      <a:rPr lang="en-US" sz="3000" dirty="0" smtClean="0">
+                        <a:latin typeface="Helvetica"/>
+                        <a:cs typeface="Helvetica"/>
+                      </a:rPr>
+                      <a:t>0.72</a:t>
+                    </a:r>
+                    <a:endParaRPr lang="en-US" sz="3000" dirty="0">
+                      <a:latin typeface="Helvetica"/>
+                      <a:cs typeface="Helvetica"/>
+                    </a:endParaRPr>
+                  </a:p>
+                </p:txBody>
+              </p:sp>
+              <p:sp>
+                <p:nvSpPr>
+                  <p:cNvPr id="65" name="TextBox 64"/>
+                  <p:cNvSpPr txBox="1"/>
+                  <p:nvPr/>
+                </p:nvSpPr>
+                <p:spPr>
+                  <a:xfrm>
+                    <a:off x="5524665" y="3316554"/>
+                    <a:ext cx="2920909" cy="1015663"/>
+                  </a:xfrm>
+                  <a:prstGeom prst="rect">
+                    <a:avLst/>
+                  </a:prstGeom>
+                  <a:solidFill>
+                    <a:schemeClr val="bg1"/>
+                  </a:solidFill>
+                </p:spPr>
+                <p:txBody>
+                  <a:bodyPr wrap="square" rtlCol="0">
+                    <a:spAutoFit/>
+                  </a:bodyPr>
+                  <a:lstStyle/>
+                  <a:p>
+                    <a:endParaRPr lang="en-US" sz="3000" dirty="0" smtClean="0">
+                      <a:latin typeface="Helvetica"/>
+                      <a:cs typeface="Helvetica"/>
+                    </a:endParaRPr>
+                  </a:p>
+                  <a:p>
+                    <a:r>
+                      <a:rPr lang="en-US" sz="3000" dirty="0" smtClean="0">
+                        <a:latin typeface="Helvetica"/>
+                        <a:cs typeface="Helvetica"/>
+                      </a:rPr>
+                      <a:t>0.89</a:t>
+                    </a:r>
+                    <a:endParaRPr lang="en-US" sz="3000" dirty="0">
+                      <a:latin typeface="Helvetica"/>
+                      <a:cs typeface="Helvetica"/>
+                    </a:endParaRPr>
+                  </a:p>
+                </p:txBody>
+              </p:sp>
+              <p:sp>
+                <p:nvSpPr>
+                  <p:cNvPr id="66" name="TextBox 65"/>
+                  <p:cNvSpPr txBox="1"/>
+                  <p:nvPr/>
+                </p:nvSpPr>
+                <p:spPr>
+                  <a:xfrm>
+                    <a:off x="10023216" y="3171957"/>
+                    <a:ext cx="1748974" cy="553998"/>
+                  </a:xfrm>
+                  <a:prstGeom prst="rect">
+                    <a:avLst/>
+                  </a:prstGeom>
+                  <a:solidFill>
+                    <a:schemeClr val="bg1"/>
+                  </a:solidFill>
+                </p:spPr>
+                <p:txBody>
+                  <a:bodyPr wrap="square" rtlCol="0">
+                    <a:spAutoFit/>
+                  </a:bodyPr>
+                  <a:lstStyle/>
+                  <a:p>
+                    <a:r>
+                      <a:rPr lang="en-US" sz="3000" dirty="0" smtClean="0">
+                        <a:latin typeface="Helvetica"/>
+                        <a:cs typeface="Helvetica"/>
+                      </a:rPr>
+                      <a:t>1.83</a:t>
+                    </a:r>
+                    <a:endParaRPr lang="en-US" sz="3000" dirty="0">
+                      <a:latin typeface="Helvetica"/>
+                      <a:cs typeface="Helvetica"/>
+                    </a:endParaRPr>
+                  </a:p>
+                </p:txBody>
+              </p:sp>
+              <p:sp>
+                <p:nvSpPr>
+                  <p:cNvPr id="67" name="TextBox 66"/>
+                  <p:cNvSpPr txBox="1"/>
+                  <p:nvPr/>
+                </p:nvSpPr>
+                <p:spPr>
+                  <a:xfrm>
+                    <a:off x="11634077" y="3115220"/>
+                    <a:ext cx="1841139" cy="1015663"/>
+                  </a:xfrm>
+                  <a:prstGeom prst="rect">
+                    <a:avLst/>
+                  </a:prstGeom>
+                  <a:solidFill>
+                    <a:schemeClr val="bg1"/>
+                  </a:solidFill>
+                </p:spPr>
+                <p:txBody>
+                  <a:bodyPr wrap="square" rtlCol="0">
+                    <a:spAutoFit/>
+                  </a:bodyPr>
+                  <a:lstStyle/>
+                  <a:p>
+                    <a:r>
+                      <a:rPr lang="en-US" sz="3000" dirty="0" smtClean="0">
+                        <a:latin typeface="Helvetica"/>
+                        <a:cs typeface="Helvetica"/>
+                      </a:rPr>
+                      <a:t>   </a:t>
+                    </a:r>
+                  </a:p>
+                  <a:p>
+                    <a:r>
+                      <a:rPr lang="en-US" sz="3000" dirty="0" smtClean="0">
+                        <a:latin typeface="Helvetica"/>
+                        <a:cs typeface="Helvetica"/>
+                      </a:rPr>
+                      <a:t>    1.67</a:t>
+                    </a:r>
+                    <a:endParaRPr lang="en-US" sz="3000" dirty="0">
+                      <a:latin typeface="Helvetica"/>
+                      <a:cs typeface="Helvetica"/>
+                    </a:endParaRPr>
+                  </a:p>
+                </p:txBody>
+              </p:sp>
+              <p:sp>
+                <p:nvSpPr>
+                  <p:cNvPr id="68" name="TextBox 67"/>
+                  <p:cNvSpPr txBox="1"/>
+                  <p:nvPr/>
+                </p:nvSpPr>
+                <p:spPr>
+                  <a:xfrm>
+                    <a:off x="15904712" y="3925357"/>
+                    <a:ext cx="1748974" cy="553998"/>
+                  </a:xfrm>
+                  <a:prstGeom prst="rect">
+                    <a:avLst/>
+                  </a:prstGeom>
+                  <a:solidFill>
+                    <a:schemeClr val="bg1"/>
+                  </a:solidFill>
+                </p:spPr>
+                <p:txBody>
+                  <a:bodyPr wrap="square" rtlCol="0">
+                    <a:spAutoFit/>
+                  </a:bodyPr>
+                  <a:lstStyle/>
+                  <a:p>
+                    <a:r>
+                      <a:rPr lang="en-US" sz="3000" dirty="0" smtClean="0">
+                        <a:latin typeface="Helvetica"/>
+                        <a:cs typeface="Helvetica"/>
+                      </a:rPr>
+                      <a:t>   0.84</a:t>
+                    </a:r>
+                    <a:endParaRPr lang="en-US" sz="3000" dirty="0">
+                      <a:latin typeface="Helvetica"/>
+                      <a:cs typeface="Helvetica"/>
+                    </a:endParaRPr>
+                  </a:p>
+                </p:txBody>
+              </p:sp>
+              <p:sp>
+                <p:nvSpPr>
+                  <p:cNvPr id="69" name="TextBox 68"/>
+                  <p:cNvSpPr txBox="1"/>
+                  <p:nvPr/>
+                </p:nvSpPr>
+                <p:spPr>
+                  <a:xfrm>
+                    <a:off x="19311945" y="4063505"/>
+                    <a:ext cx="1748974" cy="553998"/>
+                  </a:xfrm>
+                  <a:prstGeom prst="rect">
+                    <a:avLst/>
+                  </a:prstGeom>
+                  <a:solidFill>
+                    <a:schemeClr val="bg1"/>
+                  </a:solidFill>
+                </p:spPr>
+                <p:txBody>
+                  <a:bodyPr wrap="square" rtlCol="0">
+                    <a:spAutoFit/>
+                  </a:bodyPr>
+                  <a:lstStyle/>
+                  <a:p>
+                    <a:r>
+                      <a:rPr lang="en-US" sz="3000" dirty="0" smtClean="0">
+                        <a:latin typeface="Helvetica"/>
+                        <a:cs typeface="Helvetica"/>
+                      </a:rPr>
+                      <a:t>     0.83 </a:t>
+                    </a:r>
+                    <a:endParaRPr lang="en-US" sz="3000" dirty="0">
+                      <a:latin typeface="Helvetica"/>
+                      <a:cs typeface="Helvetica"/>
+                    </a:endParaRPr>
+                  </a:p>
+                </p:txBody>
+              </p:sp>
+              <p:sp>
+                <p:nvSpPr>
+                  <p:cNvPr id="70" name="TextBox 69"/>
+                  <p:cNvSpPr txBox="1"/>
+                  <p:nvPr/>
+                </p:nvSpPr>
+                <p:spPr>
+                  <a:xfrm>
+                    <a:off x="16779199" y="3332526"/>
+                    <a:ext cx="2532746" cy="553998"/>
+                  </a:xfrm>
+                  <a:prstGeom prst="rect">
+                    <a:avLst/>
+                  </a:prstGeom>
+                  <a:solidFill>
+                    <a:schemeClr val="bg1"/>
+                  </a:solidFill>
+                </p:spPr>
+                <p:txBody>
+                  <a:bodyPr wrap="square" rtlCol="0">
+                    <a:spAutoFit/>
+                  </a:bodyPr>
+                  <a:lstStyle/>
+                  <a:p>
+                    <a:endParaRPr lang="en-US" sz="3000" dirty="0">
+                      <a:latin typeface="Helvetica"/>
+                      <a:cs typeface="Helvetica"/>
+                    </a:endParaRPr>
+                  </a:p>
+                </p:txBody>
+              </p:sp>
+              <p:sp>
+                <p:nvSpPr>
+                  <p:cNvPr id="71" name="TextBox 70"/>
+                  <p:cNvSpPr txBox="1"/>
+                  <p:nvPr/>
+                </p:nvSpPr>
+                <p:spPr>
+                  <a:xfrm>
+                    <a:off x="7806143" y="8093884"/>
+                    <a:ext cx="2532746" cy="553998"/>
+                  </a:xfrm>
+                  <a:prstGeom prst="rect">
+                    <a:avLst/>
+                  </a:prstGeom>
+                  <a:solidFill>
+                    <a:schemeClr val="bg1"/>
+                  </a:solidFill>
+                </p:spPr>
+                <p:txBody>
+                  <a:bodyPr wrap="square" rtlCol="0">
+                    <a:spAutoFit/>
+                  </a:bodyPr>
+                  <a:lstStyle/>
+                  <a:p>
+                    <a:endParaRPr lang="en-US" sz="3000" dirty="0">
+                      <a:latin typeface="Helvetica"/>
+                      <a:cs typeface="Helvetica"/>
+                    </a:endParaRPr>
+                  </a:p>
+                </p:txBody>
+              </p:sp>
+              <p:sp>
+                <p:nvSpPr>
+                  <p:cNvPr id="72" name="TextBox 71"/>
+                  <p:cNvSpPr txBox="1"/>
+                  <p:nvPr/>
+                </p:nvSpPr>
+                <p:spPr>
+                  <a:xfrm>
+                    <a:off x="17671830" y="7851780"/>
+                    <a:ext cx="2532746" cy="553998"/>
+                  </a:xfrm>
+                  <a:prstGeom prst="rect">
+                    <a:avLst/>
+                  </a:prstGeom>
+                  <a:solidFill>
+                    <a:schemeClr val="bg1"/>
+                  </a:solidFill>
+                </p:spPr>
+                <p:txBody>
+                  <a:bodyPr wrap="square" rtlCol="0">
+                    <a:spAutoFit/>
+                  </a:bodyPr>
+                  <a:lstStyle/>
+                  <a:p>
+                    <a:endParaRPr lang="en-US" sz="3000" dirty="0">
+                      <a:latin typeface="Helvetica"/>
+                      <a:cs typeface="Helvetica"/>
+                    </a:endParaRPr>
+                  </a:p>
+                </p:txBody>
+              </p:sp>
+              <p:sp>
+                <p:nvSpPr>
+                  <p:cNvPr id="73" name="TextBox 72"/>
+                  <p:cNvSpPr txBox="1"/>
+                  <p:nvPr/>
+                </p:nvSpPr>
+                <p:spPr>
+                  <a:xfrm>
+                    <a:off x="15769790" y="7998315"/>
+                    <a:ext cx="1748974" cy="553998"/>
+                  </a:xfrm>
+                  <a:prstGeom prst="rect">
+                    <a:avLst/>
+                  </a:prstGeom>
+                  <a:solidFill>
+                    <a:schemeClr val="bg1"/>
+                  </a:solidFill>
+                </p:spPr>
+                <p:txBody>
+                  <a:bodyPr wrap="square" rtlCol="0">
+                    <a:spAutoFit/>
+                  </a:bodyPr>
+                  <a:lstStyle/>
+                  <a:p>
+                    <a:r>
+                      <a:rPr lang="en-US" sz="3000" dirty="0" smtClean="0">
+                        <a:latin typeface="Helvetica"/>
+                        <a:cs typeface="Helvetica"/>
+                      </a:rPr>
+                      <a:t>   1.75</a:t>
+                    </a:r>
+                    <a:endParaRPr lang="en-US" sz="3000" dirty="0">
+                      <a:latin typeface="Helvetica"/>
+                      <a:cs typeface="Helvetica"/>
+                    </a:endParaRPr>
+                  </a:p>
+                </p:txBody>
+              </p:sp>
+              <p:sp>
+                <p:nvSpPr>
+                  <p:cNvPr id="74" name="TextBox 73"/>
+                  <p:cNvSpPr txBox="1"/>
+                  <p:nvPr/>
+                </p:nvSpPr>
+                <p:spPr>
+                  <a:xfrm>
+                    <a:off x="10215517" y="8762563"/>
+                    <a:ext cx="1748974" cy="553998"/>
+                  </a:xfrm>
+                  <a:prstGeom prst="rect">
+                    <a:avLst/>
+                  </a:prstGeom>
+                  <a:solidFill>
+                    <a:schemeClr val="bg1"/>
+                  </a:solidFill>
+                </p:spPr>
+                <p:txBody>
+                  <a:bodyPr wrap="square" rtlCol="0">
+                    <a:spAutoFit/>
+                  </a:bodyPr>
+                  <a:lstStyle/>
+                  <a:p>
+                    <a:r>
+                      <a:rPr lang="en-US" sz="3000" dirty="0" smtClean="0">
+                        <a:latin typeface="Helvetica"/>
+                        <a:cs typeface="Helvetica"/>
+                      </a:rPr>
+                      <a:t>   0.86</a:t>
+                    </a:r>
+                    <a:endParaRPr lang="en-US" sz="3000" dirty="0">
+                      <a:latin typeface="Helvetica"/>
+                      <a:cs typeface="Helvetica"/>
+                    </a:endParaRPr>
+                  </a:p>
+                </p:txBody>
+              </p:sp>
+              <p:sp>
+                <p:nvSpPr>
+                  <p:cNvPr id="75" name="TextBox 74"/>
+                  <p:cNvSpPr txBox="1"/>
+                  <p:nvPr/>
+                </p:nvSpPr>
+                <p:spPr>
+                  <a:xfrm>
+                    <a:off x="6562315" y="8648893"/>
+                    <a:ext cx="1748974" cy="553998"/>
+                  </a:xfrm>
+                  <a:prstGeom prst="rect">
+                    <a:avLst/>
+                  </a:prstGeom>
+                  <a:solidFill>
+                    <a:schemeClr val="bg1"/>
+                  </a:solidFill>
+                </p:spPr>
+                <p:txBody>
+                  <a:bodyPr wrap="square" rtlCol="0">
+                    <a:spAutoFit/>
+                  </a:bodyPr>
+                  <a:lstStyle/>
+                  <a:p>
+                    <a:r>
+                      <a:rPr lang="en-US" sz="3000" dirty="0" smtClean="0">
+                        <a:latin typeface="Helvetica"/>
+                        <a:cs typeface="Helvetica"/>
+                      </a:rPr>
+                      <a:t>   0.92</a:t>
+                    </a:r>
+                    <a:endParaRPr lang="en-US" sz="3000" dirty="0">
+                      <a:latin typeface="Helvetica"/>
+                      <a:cs typeface="Helvetica"/>
+                    </a:endParaRPr>
+                  </a:p>
+                </p:txBody>
+              </p:sp>
+              <p:sp>
+                <p:nvSpPr>
+                  <p:cNvPr id="76" name="TextBox 75"/>
+                  <p:cNvSpPr txBox="1"/>
+                  <p:nvPr/>
+                </p:nvSpPr>
+                <p:spPr>
+                  <a:xfrm>
+                    <a:off x="19841715" y="8089563"/>
+                    <a:ext cx="1748974" cy="553998"/>
+                  </a:xfrm>
+                  <a:prstGeom prst="rect">
+                    <a:avLst/>
+                  </a:prstGeom>
+                  <a:solidFill>
+                    <a:schemeClr val="bg1"/>
+                  </a:solidFill>
+                </p:spPr>
+                <p:txBody>
+                  <a:bodyPr wrap="square" rtlCol="0">
+                    <a:spAutoFit/>
+                  </a:bodyPr>
+                  <a:lstStyle/>
+                  <a:p>
+                    <a:r>
+                      <a:rPr lang="en-US" sz="3000" dirty="0" smtClean="0">
+                        <a:latin typeface="Helvetica"/>
+                        <a:cs typeface="Helvetica"/>
+                      </a:rPr>
+                      <a:t>   1.72</a:t>
+                    </a:r>
+                    <a:endParaRPr lang="en-US" sz="3000" dirty="0">
+                      <a:latin typeface="Helvetica"/>
+                      <a:cs typeface="Helvetica"/>
+                    </a:endParaRPr>
+                  </a:p>
+                </p:txBody>
+              </p:sp>
+              <p:sp>
+                <p:nvSpPr>
+                  <p:cNvPr id="6" name="TextBox 5"/>
+                  <p:cNvSpPr txBox="1"/>
+                  <p:nvPr/>
+                </p:nvSpPr>
+                <p:spPr>
+                  <a:xfrm>
+                    <a:off x="3842923" y="3079904"/>
+                    <a:ext cx="638003" cy="907941"/>
+                  </a:xfrm>
+                  <a:prstGeom prst="rect">
+                    <a:avLst/>
+                  </a:prstGeom>
+                  <a:noFill/>
+                </p:spPr>
+                <p:txBody>
+                  <a:bodyPr wrap="none" rtlCol="0">
+                    <a:spAutoFit/>
+                  </a:bodyPr>
+                  <a:lstStyle/>
+                  <a:p>
+                    <a:r>
+                      <a:rPr lang="en-US" dirty="0" smtClean="0">
+                        <a:latin typeface="Helvetica"/>
+                        <a:cs typeface="Helvetica"/>
+                      </a:rPr>
+                      <a:t>A</a:t>
+                    </a:r>
+                    <a:endParaRPr lang="en-US" dirty="0">
+                      <a:latin typeface="Helvetica"/>
+                      <a:cs typeface="Helvetica"/>
+                    </a:endParaRPr>
+                  </a:p>
+                </p:txBody>
+              </p:sp>
+              <p:sp>
+                <p:nvSpPr>
+                  <p:cNvPr id="59" name="TextBox 58"/>
+                  <p:cNvSpPr txBox="1"/>
+                  <p:nvPr/>
+                </p:nvSpPr>
+                <p:spPr>
+                  <a:xfrm>
+                    <a:off x="3842923" y="7956539"/>
+                    <a:ext cx="675504" cy="907941"/>
+                  </a:xfrm>
+                  <a:prstGeom prst="rect">
+                    <a:avLst/>
+                  </a:prstGeom>
+                  <a:noFill/>
+                </p:spPr>
+                <p:txBody>
+                  <a:bodyPr wrap="none" rtlCol="0">
+                    <a:spAutoFit/>
+                  </a:bodyPr>
+                  <a:lstStyle/>
+                  <a:p>
+                    <a:r>
+                      <a:rPr lang="en-US" dirty="0" smtClean="0">
+                        <a:latin typeface="Helvetica"/>
+                        <a:cs typeface="Helvetica"/>
+                      </a:rPr>
+                      <a:t>D</a:t>
+                    </a:r>
+                    <a:endParaRPr lang="en-US" dirty="0">
+                      <a:latin typeface="Helvetica"/>
+                      <a:cs typeface="Helvetica"/>
+                    </a:endParaRPr>
+                  </a:p>
+                </p:txBody>
+              </p:sp>
+              <p:sp>
+                <p:nvSpPr>
+                  <p:cNvPr id="60" name="TextBox 59"/>
+                  <p:cNvSpPr txBox="1"/>
+                  <p:nvPr/>
+                </p:nvSpPr>
+                <p:spPr>
+                  <a:xfrm>
+                    <a:off x="8295089" y="3079904"/>
+                    <a:ext cx="638003" cy="907941"/>
+                  </a:xfrm>
+                  <a:prstGeom prst="rect">
+                    <a:avLst/>
+                  </a:prstGeom>
+                  <a:noFill/>
+                </p:spPr>
+                <p:txBody>
+                  <a:bodyPr wrap="none" rtlCol="0">
+                    <a:spAutoFit/>
+                  </a:bodyPr>
+                  <a:lstStyle/>
+                  <a:p>
+                    <a:r>
+                      <a:rPr lang="en-US" dirty="0" smtClean="0">
+                        <a:latin typeface="Helvetica"/>
+                        <a:cs typeface="Helvetica"/>
+                      </a:rPr>
+                      <a:t>B</a:t>
+                    </a:r>
+                    <a:endParaRPr lang="en-US" dirty="0">
+                      <a:latin typeface="Helvetica"/>
+                      <a:cs typeface="Helvetica"/>
+                    </a:endParaRPr>
+                  </a:p>
+                </p:txBody>
+              </p:sp>
+              <p:sp>
+                <p:nvSpPr>
+                  <p:cNvPr id="61" name="TextBox 60"/>
+                  <p:cNvSpPr txBox="1"/>
+                  <p:nvPr/>
+                </p:nvSpPr>
+                <p:spPr>
+                  <a:xfrm>
+                    <a:off x="13486505" y="3079904"/>
+                    <a:ext cx="675504" cy="907941"/>
+                  </a:xfrm>
+                  <a:prstGeom prst="rect">
+                    <a:avLst/>
+                  </a:prstGeom>
+                  <a:noFill/>
+                </p:spPr>
+                <p:txBody>
+                  <a:bodyPr wrap="none" rtlCol="0">
+                    <a:spAutoFit/>
+                  </a:bodyPr>
+                  <a:lstStyle/>
+                  <a:p>
+                    <a:r>
+                      <a:rPr lang="en-US" dirty="0" smtClean="0">
+                        <a:latin typeface="Helvetica"/>
+                        <a:cs typeface="Helvetica"/>
+                      </a:rPr>
+                      <a:t>C</a:t>
+                    </a:r>
+                    <a:endParaRPr lang="en-US" dirty="0">
+                      <a:latin typeface="Helvetica"/>
+                      <a:cs typeface="Helvetica"/>
+                    </a:endParaRPr>
+                  </a:p>
+                </p:txBody>
+              </p:sp>
+              <p:sp>
+                <p:nvSpPr>
+                  <p:cNvPr id="62" name="TextBox 61"/>
+                  <p:cNvSpPr txBox="1"/>
+                  <p:nvPr/>
+                </p:nvSpPr>
+                <p:spPr>
+                  <a:xfrm>
+                    <a:off x="13462278" y="7956539"/>
+                    <a:ext cx="638003" cy="907941"/>
+                  </a:xfrm>
+                  <a:prstGeom prst="rect">
+                    <a:avLst/>
+                  </a:prstGeom>
+                  <a:noFill/>
+                </p:spPr>
+                <p:txBody>
+                  <a:bodyPr wrap="none" rtlCol="0">
+                    <a:spAutoFit/>
+                  </a:bodyPr>
+                  <a:lstStyle/>
+                  <a:p>
+                    <a:r>
+                      <a:rPr lang="en-US" dirty="0" smtClean="0">
+                        <a:latin typeface="Helvetica"/>
+                        <a:cs typeface="Helvetica"/>
+                      </a:rPr>
+                      <a:t>E</a:t>
+                    </a:r>
+                    <a:endParaRPr lang="en-US" dirty="0">
+                      <a:latin typeface="Helvetica"/>
+                      <a:cs typeface="Helvetica"/>
+                    </a:endParaRPr>
+                  </a:p>
+                </p:txBody>
+              </p:sp>
+            </p:grpSp>
+            <p:sp>
+              <p:nvSpPr>
+                <p:cNvPr id="82" name="TextBox 81"/>
+                <p:cNvSpPr txBox="1"/>
+                <p:nvPr/>
+              </p:nvSpPr>
+              <p:spPr>
+                <a:xfrm>
+                  <a:off x="8194406" y="12312984"/>
+                  <a:ext cx="1748974" cy="553998"/>
+                </a:xfrm>
+                <a:prstGeom prst="rect">
+                  <a:avLst/>
+                </a:prstGeom>
+                <a:noFill/>
+              </p:spPr>
+              <p:txBody>
+                <a:bodyPr wrap="square" rtlCol="0">
+                  <a:spAutoFit/>
+                </a:bodyPr>
+                <a:lstStyle/>
+                <a:p>
+                  <a:pPr algn="ctr"/>
+                  <a:r>
+                    <a:rPr lang="en-US" sz="3000" dirty="0" smtClean="0">
+                      <a:latin typeface="Helvetica"/>
+                      <a:cs typeface="Helvetica"/>
+                    </a:rPr>
+                    <a:t>model</a:t>
+                  </a:r>
+                  <a:endParaRPr lang="en-US" sz="3000" dirty="0">
+                    <a:latin typeface="Helvetica"/>
+                    <a:cs typeface="Helvetica"/>
+                  </a:endParaRPr>
+                </a:p>
+              </p:txBody>
+            </p:sp>
+            <p:sp>
+              <p:nvSpPr>
+                <p:cNvPr id="84" name="TextBox 83"/>
+                <p:cNvSpPr txBox="1"/>
+                <p:nvPr/>
+              </p:nvSpPr>
+              <p:spPr>
+                <a:xfrm>
+                  <a:off x="5872112" y="7471887"/>
+                  <a:ext cx="1748974" cy="553998"/>
+                </a:xfrm>
+                <a:prstGeom prst="rect">
+                  <a:avLst/>
+                </a:prstGeom>
+                <a:noFill/>
+              </p:spPr>
+              <p:txBody>
+                <a:bodyPr wrap="square" rtlCol="0">
+                  <a:spAutoFit/>
+                </a:bodyPr>
+                <a:lstStyle/>
+                <a:p>
+                  <a:pPr algn="ctr"/>
+                  <a:r>
+                    <a:rPr lang="en-US" sz="3000" dirty="0" smtClean="0">
+                      <a:latin typeface="Helvetica"/>
+                      <a:cs typeface="Helvetica"/>
+                    </a:rPr>
+                    <a:t>model</a:t>
+                  </a:r>
+                  <a:endParaRPr lang="en-US" sz="3000" dirty="0">
+                    <a:latin typeface="Helvetica"/>
+                    <a:cs typeface="Helvetica"/>
+                  </a:endParaRPr>
+                </a:p>
+              </p:txBody>
+            </p:sp>
+            <p:sp>
+              <p:nvSpPr>
+                <p:cNvPr id="85" name="TextBox 84"/>
+                <p:cNvSpPr txBox="1"/>
+                <p:nvPr/>
+              </p:nvSpPr>
+              <p:spPr>
+                <a:xfrm>
+                  <a:off x="10719892" y="7471887"/>
+                  <a:ext cx="1748974" cy="553998"/>
+                </a:xfrm>
+                <a:prstGeom prst="rect">
+                  <a:avLst/>
+                </a:prstGeom>
+                <a:noFill/>
+              </p:spPr>
+              <p:txBody>
+                <a:bodyPr wrap="square" rtlCol="0">
+                  <a:spAutoFit/>
+                </a:bodyPr>
+                <a:lstStyle/>
+                <a:p>
+                  <a:pPr algn="ctr"/>
+                  <a:r>
+                    <a:rPr lang="en-US" sz="3000" dirty="0" smtClean="0">
+                      <a:latin typeface="Helvetica"/>
+                      <a:cs typeface="Helvetica"/>
+                    </a:rPr>
+                    <a:t>model</a:t>
+                  </a:r>
+                  <a:endParaRPr lang="en-US" sz="3000" dirty="0">
+                    <a:latin typeface="Helvetica"/>
+                    <a:cs typeface="Helvetica"/>
+                  </a:endParaRPr>
+                </a:p>
+              </p:txBody>
+            </p:sp>
+            <p:sp>
+              <p:nvSpPr>
+                <p:cNvPr id="86" name="TextBox 85"/>
+                <p:cNvSpPr txBox="1"/>
+                <p:nvPr/>
+              </p:nvSpPr>
+              <p:spPr>
+                <a:xfrm>
+                  <a:off x="17314248" y="7471887"/>
+                  <a:ext cx="1748974" cy="553998"/>
+                </a:xfrm>
+                <a:prstGeom prst="rect">
+                  <a:avLst/>
+                </a:prstGeom>
+                <a:noFill/>
+              </p:spPr>
+              <p:txBody>
+                <a:bodyPr wrap="square" rtlCol="0">
+                  <a:spAutoFit/>
+                </a:bodyPr>
+                <a:lstStyle/>
+                <a:p>
+                  <a:pPr algn="ctr"/>
+                  <a:r>
+                    <a:rPr lang="en-US" sz="3000" dirty="0" smtClean="0">
+                      <a:latin typeface="Helvetica"/>
+                      <a:cs typeface="Helvetica"/>
+                    </a:rPr>
+                    <a:t>model</a:t>
+                  </a:r>
+                  <a:endParaRPr lang="en-US" sz="3000" dirty="0">
+                    <a:latin typeface="Helvetica"/>
+                    <a:cs typeface="Helvetica"/>
+                  </a:endParaRPr>
+                </a:p>
+              </p:txBody>
+            </p:sp>
+            <p:sp>
+              <p:nvSpPr>
+                <p:cNvPr id="87" name="TextBox 86"/>
+                <p:cNvSpPr txBox="1"/>
+                <p:nvPr/>
+              </p:nvSpPr>
+              <p:spPr>
+                <a:xfrm>
+                  <a:off x="17839306" y="12312984"/>
+                  <a:ext cx="1748974" cy="553998"/>
+                </a:xfrm>
+                <a:prstGeom prst="rect">
+                  <a:avLst/>
+                </a:prstGeom>
+                <a:noFill/>
+              </p:spPr>
+              <p:txBody>
+                <a:bodyPr wrap="square" rtlCol="0">
+                  <a:spAutoFit/>
+                </a:bodyPr>
+                <a:lstStyle/>
+                <a:p>
+                  <a:pPr algn="ctr"/>
+                  <a:r>
+                    <a:rPr lang="en-US" sz="3000" dirty="0" smtClean="0">
+                      <a:latin typeface="Helvetica"/>
+                      <a:cs typeface="Helvetica"/>
+                    </a:rPr>
+                    <a:t>model</a:t>
+                  </a:r>
+                  <a:endParaRPr lang="en-US" sz="3000" dirty="0">
+                    <a:latin typeface="Helvetica"/>
+                    <a:cs typeface="Helvetica"/>
+                  </a:endParaRPr>
+                </a:p>
+              </p:txBody>
+            </p:sp>
+          </p:grpSp>
+          <p:sp>
+            <p:nvSpPr>
+              <p:cNvPr id="88" name="TextBox 87"/>
+              <p:cNvSpPr txBox="1"/>
+              <p:nvPr/>
+            </p:nvSpPr>
+            <p:spPr>
+              <a:xfrm rot="16200000">
+                <a:off x="2680915" y="5212541"/>
+                <a:ext cx="3181485" cy="553998"/>
+              </a:xfrm>
+              <a:prstGeom prst="rect">
+                <a:avLst/>
+              </a:prstGeom>
+              <a:noFill/>
+            </p:spPr>
+            <p:txBody>
+              <a:bodyPr wrap="square" rtlCol="0">
+                <a:spAutoFit/>
+              </a:bodyPr>
+              <a:lstStyle/>
+              <a:p>
+                <a:pPr algn="ctr"/>
+                <a:r>
+                  <a:rPr lang="en-US" sz="3000" dirty="0">
+                    <a:latin typeface="Helvetica"/>
+                    <a:cs typeface="Helvetica"/>
+                  </a:rPr>
+                  <a:t>reduced error</a:t>
+                </a:r>
+              </a:p>
+            </p:txBody>
+          </p:sp>
+          <p:sp>
+            <p:nvSpPr>
+              <p:cNvPr id="89" name="TextBox 88"/>
+              <p:cNvSpPr txBox="1"/>
+              <p:nvPr/>
+            </p:nvSpPr>
+            <p:spPr>
+              <a:xfrm rot="16200000">
+                <a:off x="7174577" y="5337875"/>
+                <a:ext cx="3181485" cy="553998"/>
+              </a:xfrm>
+              <a:prstGeom prst="rect">
+                <a:avLst/>
+              </a:prstGeom>
+              <a:noFill/>
+            </p:spPr>
+            <p:txBody>
+              <a:bodyPr wrap="square" rtlCol="0">
+                <a:spAutoFit/>
+              </a:bodyPr>
+              <a:lstStyle/>
+              <a:p>
+                <a:pPr algn="ctr"/>
+                <a:r>
+                  <a:rPr lang="en-US" sz="3000" dirty="0">
+                    <a:latin typeface="Helvetica"/>
+                    <a:cs typeface="Helvetica"/>
+                  </a:rPr>
+                  <a:t>reduced error</a:t>
+                </a:r>
+              </a:p>
+            </p:txBody>
+          </p:sp>
+          <p:sp>
+            <p:nvSpPr>
+              <p:cNvPr id="90" name="TextBox 89"/>
+              <p:cNvSpPr txBox="1"/>
+              <p:nvPr/>
+            </p:nvSpPr>
+            <p:spPr>
+              <a:xfrm rot="16200000">
+                <a:off x="12335305" y="5212542"/>
+                <a:ext cx="3181485" cy="553998"/>
+              </a:xfrm>
+              <a:prstGeom prst="rect">
+                <a:avLst/>
+              </a:prstGeom>
+              <a:noFill/>
+            </p:spPr>
+            <p:txBody>
+              <a:bodyPr wrap="square" rtlCol="0">
+                <a:spAutoFit/>
+              </a:bodyPr>
+              <a:lstStyle/>
+              <a:p>
+                <a:pPr algn="ctr"/>
+                <a:r>
+                  <a:rPr lang="en-US" sz="3000" dirty="0">
+                    <a:latin typeface="Helvetica"/>
+                    <a:cs typeface="Helvetica"/>
+                  </a:rPr>
+                  <a:t>reduced error</a:t>
+                </a:r>
+              </a:p>
+            </p:txBody>
+          </p:sp>
+          <p:sp>
+            <p:nvSpPr>
+              <p:cNvPr id="91" name="TextBox 90"/>
+              <p:cNvSpPr txBox="1"/>
+              <p:nvPr/>
+            </p:nvSpPr>
+            <p:spPr>
+              <a:xfrm rot="16200000">
+                <a:off x="2685751" y="10034197"/>
+                <a:ext cx="3181485" cy="553998"/>
+              </a:xfrm>
+              <a:prstGeom prst="rect">
+                <a:avLst/>
+              </a:prstGeom>
+              <a:noFill/>
+            </p:spPr>
+            <p:txBody>
+              <a:bodyPr wrap="square" rtlCol="0">
+                <a:spAutoFit/>
+              </a:bodyPr>
+              <a:lstStyle/>
+              <a:p>
+                <a:pPr algn="ctr"/>
+                <a:r>
+                  <a:rPr lang="en-US" sz="3000" dirty="0">
+                    <a:latin typeface="Helvetica"/>
+                    <a:cs typeface="Helvetica"/>
+                  </a:rPr>
+                  <a:t>reduced error</a:t>
+                </a:r>
+              </a:p>
+            </p:txBody>
+          </p:sp>
+          <p:sp>
+            <p:nvSpPr>
+              <p:cNvPr id="92" name="TextBox 91"/>
+              <p:cNvSpPr txBox="1"/>
+              <p:nvPr/>
+            </p:nvSpPr>
+            <p:spPr>
+              <a:xfrm rot="16200000">
+                <a:off x="12306688" y="10034198"/>
+                <a:ext cx="3181485" cy="553998"/>
+              </a:xfrm>
+              <a:prstGeom prst="rect">
+                <a:avLst/>
+              </a:prstGeom>
+              <a:noFill/>
+            </p:spPr>
+            <p:txBody>
+              <a:bodyPr wrap="square" rtlCol="0">
+                <a:spAutoFit/>
+              </a:bodyPr>
+              <a:lstStyle/>
+              <a:p>
+                <a:pPr algn="ctr"/>
+                <a:r>
+                  <a:rPr lang="en-US" sz="3000" dirty="0">
+                    <a:latin typeface="Helvetica"/>
+                    <a:cs typeface="Helvetica"/>
+                  </a:rPr>
+                  <a:t>reduced error</a:t>
+                </a:r>
+              </a:p>
+            </p:txBody>
+          </p:sp>
+        </p:grpSp>
+      </p:grpSp>
+    </p:spTree>
+    <p:extLst>
+      <p:ext uri="{BB962C8B-B14F-4D97-AF65-F5344CB8AC3E}">
+        <p14:creationId xmlns:p14="http://schemas.microsoft.com/office/powerpoint/2010/main" val="527583695"/>
+      </p:ext>
+    </p:extLst>
+  </p:cSld>
+  <p:clrMapOvr>
+    <a:masterClrMapping/>
+  </p:clrMapOvr>
+  <p:timing>
+    <p:tnLst>
+      <p:par>
+        <p:cTn xmlns:p14="http://schemas.microsoft.com/office/powerpoint/2010/main" id="1" dur="indefinite" restart="never" nodeType="tmRoot"/>
+      </p:par>
+    </p:tnLst>
+  </p:timing>
+</p:sld>
+</file>
+
 <file path=ppt/theme/theme1.xml><?xml version="1.0" encoding="utf-8"?>
 <a:theme xmlns:a="http://schemas.openxmlformats.org/drawingml/2006/main" name="Office Theme">
   <a:themeElements>
